--- a/Codrilla.pptx
+++ b/Codrilla.pptx
@@ -7,10 +7,11 @@
   <p:sldIdLst>
     <p:sldId id="256" r:id="rId2"/>
     <p:sldId id="262" r:id="rId3"/>
-    <p:sldId id="260" r:id="rId4"/>
-    <p:sldId id="261" r:id="rId5"/>
-    <p:sldId id="257" r:id="rId6"/>
-    <p:sldId id="258" r:id="rId7"/>
+    <p:sldId id="263" r:id="rId4"/>
+    <p:sldId id="260" r:id="rId5"/>
+    <p:sldId id="261" r:id="rId6"/>
+    <p:sldId id="257" r:id="rId7"/>
+    <p:sldId id="258" r:id="rId8"/>
   </p:sldIdLst>
   <p:sldSz cx="12192000" cy="6858000"/>
   <p:notesSz cx="6858000" cy="9144000"/>
@@ -1851,17 +1852,8 @@
             <a:rPr lang="de-DE" sz="2400" dirty="0" smtClean="0">
               <a:latin typeface="Consolas" panose="020B0609020204030204" pitchFamily="49" charset="0"/>
             </a:rPr>
-            <a:t>75M </a:t>
+            <a:t>75M displaced</a:t>
           </a:r>
-          <a:r>
-            <a:rPr lang="de-DE" sz="2400" dirty="0" err="1" smtClean="0">
-              <a:latin typeface="Consolas" panose="020B0609020204030204" pitchFamily="49" charset="0"/>
-            </a:rPr>
-            <a:t>displaced</a:t>
-          </a:r>
-          <a:endParaRPr lang="de-DE" sz="2400" dirty="0" smtClean="0">
-            <a:latin typeface="Consolas" panose="020B0609020204030204" pitchFamily="49" charset="0"/>
-          </a:endParaRPr>
         </a:p>
         <a:p>
           <a:r>
@@ -3259,17 +3251,8 @@
             <a:rPr lang="de-DE" sz="2400" kern="1200" dirty="0" smtClean="0">
               <a:latin typeface="Consolas" panose="020B0609020204030204" pitchFamily="49" charset="0"/>
             </a:rPr>
-            <a:t>75M </a:t>
+            <a:t>75M displaced</a:t>
           </a:r>
-          <a:r>
-            <a:rPr lang="de-DE" sz="2400" kern="1200" dirty="0" err="1" smtClean="0">
-              <a:latin typeface="Consolas" panose="020B0609020204030204" pitchFamily="49" charset="0"/>
-            </a:rPr>
-            <a:t>displaced</a:t>
-          </a:r>
-          <a:endParaRPr lang="de-DE" sz="2400" kern="1200" dirty="0" smtClean="0">
-            <a:latin typeface="Consolas" panose="020B0609020204030204" pitchFamily="49" charset="0"/>
-          </a:endParaRPr>
         </a:p>
         <a:p>
           <a:pPr lvl="0" algn="ctr" defTabSz="1066800">
@@ -13306,7 +13289,7 @@
           <a:lstStyle/>
           <a:p>
             <a:r>
-              <a:rPr lang="de-DE" dirty="0" err="1" smtClean="0">
+              <a:rPr lang="de-DE" dirty="0" smtClean="0">
                 <a:latin typeface="Consolas" panose="020B0609020204030204" pitchFamily="49" charset="0"/>
                 <a:cs typeface="Helvetica" panose="020B0604020202020204" pitchFamily="34" charset="0"/>
               </a:rPr>
@@ -13362,16 +13345,10 @@
           <a:lstStyle/>
           <a:p>
             <a:r>
-              <a:rPr lang="de-DE" sz="4400" dirty="0" err="1" smtClean="0">
-                <a:latin typeface="Consolas" panose="020B0609020204030204" pitchFamily="49" charset="0"/>
-              </a:rPr>
-              <a:t>Everyone</a:t>
-            </a:r>
-            <a:r>
               <a:rPr lang="de-DE" sz="4400" dirty="0" smtClean="0">
                 <a:latin typeface="Consolas" panose="020B0609020204030204" pitchFamily="49" charset="0"/>
               </a:rPr>
-              <a:t> Can </a:t>
+              <a:t>Everyone Can </a:t>
             </a:r>
             <a:r>
               <a:rPr lang="de-DE" sz="4400" dirty="0">
@@ -13431,6 +13408,13 @@
   <p:clrMapOvr>
     <a:masterClrMapping/>
   </p:clrMapOvr>
+  <p:timing>
+    <p:tnLst>
+      <p:par>
+        <p:cTn id="1" dur="indefinite" restart="never" nodeType="tmRoot"/>
+      </p:par>
+    </p:tnLst>
+  </p:timing>
 </p:sld>
 </file>
 
@@ -13558,16 +13542,7 @@
                 </a:solidFill>
                 <a:latin typeface="Consolas" panose="020B0609020204030204" pitchFamily="49" charset="0"/>
               </a:rPr>
-              <a:t>75 Million Jobs </a:t>
-            </a:r>
-            <a:r>
-              <a:rPr lang="de-DE" dirty="0" err="1" smtClean="0">
-                <a:solidFill>
-                  <a:schemeClr val="bg1"/>
-                </a:solidFill>
-                <a:latin typeface="Consolas" panose="020B0609020204030204" pitchFamily="49" charset="0"/>
-              </a:rPr>
-              <a:t>displaced</a:t>
+              <a:t>75 Million Jobs displaced</a:t>
             </a:r>
             <a:endParaRPr lang="en-GB" dirty="0">
               <a:solidFill>
@@ -13654,10 +13629,157 @@
   <p:clrMapOvr>
     <a:masterClrMapping/>
   </p:clrMapOvr>
+  <p:timing>
+    <p:tnLst>
+      <p:par>
+        <p:cTn id="1" dur="indefinite" restart="never" nodeType="tmRoot"/>
+      </p:par>
+    </p:tnLst>
+  </p:timing>
 </p:sld>
 </file>
 
 <file path=ppt/slides/slide3.xml><?xml version="1.0" encoding="utf-8"?>
+<p:sld xmlns:a="http://schemas.openxmlformats.org/drawingml/2006/main" xmlns:r="http://schemas.openxmlformats.org/officeDocument/2006/relationships" xmlns:p="http://schemas.openxmlformats.org/presentationml/2006/main">
+  <p:cSld>
+    <p:spTree>
+      <p:nvGrpSpPr>
+        <p:cNvPr id="1" name=""/>
+        <p:cNvGrpSpPr/>
+        <p:nvPr/>
+      </p:nvGrpSpPr>
+      <p:grpSpPr>
+        <a:xfrm>
+          <a:off x="0" y="0"/>
+          <a:ext cx="0" cy="0"/>
+          <a:chOff x="0" y="0"/>
+          <a:chExt cx="0" cy="0"/>
+        </a:xfrm>
+      </p:grpSpPr>
+      <p:sp>
+        <p:nvSpPr>
+          <p:cNvPr id="11" name="Sechseck 10"/>
+          <p:cNvSpPr/>
+          <p:nvPr/>
+        </p:nvSpPr>
+        <p:spPr>
+          <a:xfrm>
+            <a:off x="2441448" y="1463040"/>
+            <a:ext cx="7342632" cy="4946904"/>
+          </a:xfrm>
+          <a:prstGeom prst="hexagon">
+            <a:avLst>
+              <a:gd name="adj" fmla="val 25000"/>
+              <a:gd name="vf" fmla="val 115470"/>
+            </a:avLst>
+          </a:prstGeom>
+          <a:solidFill>
+            <a:schemeClr val="tx1"/>
+          </a:solidFill>
+          <a:ln w="76200">
+            <a:solidFill>
+              <a:srgbClr val="00B050"/>
+            </a:solidFill>
+          </a:ln>
+        </p:spPr>
+        <p:style>
+          <a:lnRef idx="2">
+            <a:scrgbClr r="0" g="0" b="0"/>
+          </a:lnRef>
+          <a:fillRef idx="1">
+            <a:scrgbClr r="0" g="0" b="0"/>
+          </a:fillRef>
+          <a:effectRef idx="0">
+            <a:schemeClr val="accent1">
+              <a:hueOff val="0"/>
+              <a:satOff val="0"/>
+              <a:lumOff val="0"/>
+              <a:alphaOff val="0"/>
+            </a:schemeClr>
+          </a:effectRef>
+          <a:fontRef idx="minor">
+            <a:schemeClr val="lt1"/>
+          </a:fontRef>
+        </p:style>
+      </p:sp>
+      <p:sp>
+        <p:nvSpPr>
+          <p:cNvPr id="2" name="Titel 1"/>
+          <p:cNvSpPr>
+            <a:spLocks noGrp="1"/>
+          </p:cNvSpPr>
+          <p:nvPr>
+            <p:ph type="title"/>
+          </p:nvPr>
+        </p:nvSpPr>
+        <p:spPr/>
+        <p:txBody>
+          <a:bodyPr/>
+          <a:lstStyle/>
+          <a:p>
+            <a:pPr algn="ctr"/>
+            <a:r>
+              <a:rPr lang="de-DE" dirty="0" smtClean="0">
+                <a:latin typeface="Consolas" panose="020B0609020204030204" pitchFamily="49" charset="0"/>
+              </a:rPr>
+              <a:t>Future Codrilla</a:t>
+            </a:r>
+            <a:endParaRPr lang="en-GB" dirty="0">
+              <a:latin typeface="Consolas" panose="020B0609020204030204" pitchFamily="49" charset="0"/>
+            </a:endParaRPr>
+          </a:p>
+        </p:txBody>
+      </p:sp>
+      <p:pic>
+        <p:nvPicPr>
+          <p:cNvPr id="8" name="Inhaltsplatzhalter 7"/>
+          <p:cNvPicPr>
+            <a:picLocks noGrp="1" noChangeAspect="1"/>
+          </p:cNvPicPr>
+          <p:nvPr>
+            <p:ph idx="1"/>
+          </p:nvPr>
+        </p:nvPicPr>
+        <p:blipFill>
+          <a:blip r:embed="rId2">
+            <a:extLst>
+              <a:ext uri="{28A0092B-C50C-407E-A947-70E740481C1C}">
+                <a14:useLocalDpi xmlns:a14="http://schemas.microsoft.com/office/drawing/2010/main" val="0"/>
+              </a:ext>
+            </a:extLst>
+          </a:blip>
+          <a:stretch>
+            <a:fillRect/>
+          </a:stretch>
+        </p:blipFill>
+        <p:spPr>
+          <a:xfrm>
+            <a:off x="3690516" y="1530588"/>
+            <a:ext cx="4810967" cy="4810967"/>
+          </a:xfrm>
+        </p:spPr>
+      </p:pic>
+    </p:spTree>
+    <p:extLst>
+      <p:ext uri="{BB962C8B-B14F-4D97-AF65-F5344CB8AC3E}">
+        <p14:creationId xmlns:p14="http://schemas.microsoft.com/office/powerpoint/2010/main" val="2830148704"/>
+      </p:ext>
+    </p:extLst>
+  </p:cSld>
+  <p:clrMapOvr>
+    <a:masterClrMapping/>
+  </p:clrMapOvr>
+  <p:timing>
+    <p:tnLst>
+      <p:par>
+        <p:cTn id="1" dur="indefinite" restart="never" nodeType="tmRoot"/>
+      </p:par>
+    </p:tnLst>
+  </p:timing>
+</p:sld>
+</file>
+
+<file path=ppt/slides/slide4.xml><?xml version="1.0" encoding="utf-8"?>
 <p:sld xmlns:a="http://schemas.openxmlformats.org/drawingml/2006/main" xmlns:r="http://schemas.openxmlformats.org/officeDocument/2006/relationships" xmlns:p="http://schemas.openxmlformats.org/presentationml/2006/main">
   <p:cSld>
     <p:spTree>
@@ -13695,7 +13817,7 @@
           <a:lstStyle/>
           <a:p>
             <a:r>
-              <a:rPr lang="de-DE" dirty="0" err="1" smtClean="0">
+              <a:rPr lang="de-DE" dirty="0" smtClean="0">
                 <a:latin typeface="Consolas" panose="020B0609020204030204" pitchFamily="49" charset="0"/>
               </a:rPr>
               <a:t>Codrilla</a:t>
@@ -13805,217 +13927,13 @@
   <p:clrMapOvr>
     <a:masterClrMapping/>
   </p:clrMapOvr>
-</p:sld>
-</file>
-
-<file path=ppt/slides/slide4.xml><?xml version="1.0" encoding="utf-8"?>
-<p:sld xmlns:a="http://schemas.openxmlformats.org/drawingml/2006/main" xmlns:r="http://schemas.openxmlformats.org/officeDocument/2006/relationships" xmlns:p="http://schemas.openxmlformats.org/presentationml/2006/main">
-  <p:cSld>
-    <p:spTree>
-      <p:nvGrpSpPr>
-        <p:cNvPr id="1" name=""/>
-        <p:cNvGrpSpPr/>
-        <p:nvPr/>
-      </p:nvGrpSpPr>
-      <p:grpSpPr>
-        <a:xfrm>
-          <a:off x="0" y="0"/>
-          <a:ext cx="0" cy="0"/>
-          <a:chOff x="0" y="0"/>
-          <a:chExt cx="0" cy="0"/>
-        </a:xfrm>
-      </p:grpSpPr>
-      <p:sp>
-        <p:nvSpPr>
-          <p:cNvPr id="2" name="Titel 1"/>
-          <p:cNvSpPr>
-            <a:spLocks noGrp="1"/>
-          </p:cNvSpPr>
-          <p:nvPr>
-            <p:ph type="title"/>
-          </p:nvPr>
-        </p:nvSpPr>
-        <p:spPr/>
-        <p:txBody>
-          <a:bodyPr/>
-          <a:lstStyle/>
-          <a:p>
-            <a:endParaRPr lang="en-GB"/>
-          </a:p>
-        </p:txBody>
-      </p:sp>
-      <p:sp>
-        <p:nvSpPr>
-          <p:cNvPr id="3" name="Inhaltsplatzhalter 2"/>
-          <p:cNvSpPr>
-            <a:spLocks noGrp="1"/>
-          </p:cNvSpPr>
-          <p:nvPr>
-            <p:ph idx="1"/>
-          </p:nvPr>
-        </p:nvSpPr>
-        <p:spPr/>
-        <p:txBody>
-          <a:bodyPr>
-            <a:normAutofit fontScale="92500" lnSpcReduction="10000"/>
-          </a:bodyPr>
-          <a:lstStyle/>
-          <a:p>
-            <a:pPr marL="0" indent="0">
-              <a:buNone/>
-            </a:pPr>
-            <a:r>
-              <a:rPr lang="en-GB" dirty="0" smtClean="0">
-                <a:hlinkClick r:id="rId2"/>
-              </a:rPr>
-              <a:t>https://www.ecosia.org/images?q=adults+with+cellphone#id=418CF2EA23BF243CE619E0553EACD97B96DEBF22</a:t>
-            </a:r>
-            <a:endParaRPr lang="en-GB" dirty="0" smtClean="0"/>
-          </a:p>
-          <a:p>
-            <a:pPr marL="0" indent="0">
-              <a:buNone/>
-            </a:pPr>
-            <a:r>
-              <a:rPr lang="en-GB" dirty="0" smtClean="0">
-                <a:hlinkClick r:id="rId3"/>
-              </a:rPr>
-              <a:t>https://www.ecosia.org/images?q=kid+with+cellphone#id=34E17E840CE85ABBB1869B9132BB057B0E609486</a:t>
-            </a:r>
-            <a:endParaRPr lang="en-GB" dirty="0" smtClean="0"/>
-          </a:p>
-          <a:p>
-            <a:pPr marL="0" indent="0">
-              <a:buNone/>
-            </a:pPr>
-            <a:r>
-              <a:rPr lang="en-GB" dirty="0" smtClean="0">
-                <a:hlinkClick r:id="rId4"/>
-              </a:rPr>
-              <a:t>https://www.google.de/</a:t>
-            </a:r>
-            <a:r>
-              <a:rPr lang="en-GB" dirty="0" err="1" smtClean="0">
-                <a:hlinkClick r:id="rId4"/>
-              </a:rPr>
-              <a:t>search?biw</a:t>
-            </a:r>
-            <a:r>
-              <a:rPr lang="en-GB" dirty="0" smtClean="0">
-                <a:hlinkClick r:id="rId4"/>
-              </a:rPr>
-              <a:t>=1280&amp;bih=529&amp;tbm=</a:t>
-            </a:r>
-            <a:r>
-              <a:rPr lang="en-GB" dirty="0" err="1" smtClean="0">
-                <a:hlinkClick r:id="rId4"/>
-              </a:rPr>
-              <a:t>isch&amp;sa</a:t>
-            </a:r>
-            <a:r>
-              <a:rPr lang="en-GB" dirty="0" smtClean="0">
-                <a:hlinkClick r:id="rId4"/>
-              </a:rPr>
-              <a:t>=1&amp;ei=mf7GXMH1Mseg1fAPkY2K6A0&amp;q=</a:t>
-            </a:r>
-            <a:r>
-              <a:rPr lang="en-GB" dirty="0" err="1" smtClean="0">
-                <a:hlinkClick r:id="rId4"/>
-              </a:rPr>
-              <a:t>workforce&amp;oq</a:t>
-            </a:r>
-            <a:r>
-              <a:rPr lang="en-GB" dirty="0" smtClean="0">
-                <a:hlinkClick r:id="rId4"/>
-              </a:rPr>
-              <a:t>=</a:t>
-            </a:r>
-            <a:r>
-              <a:rPr lang="en-GB" dirty="0" err="1" smtClean="0">
-                <a:hlinkClick r:id="rId4"/>
-              </a:rPr>
-              <a:t>workforce&amp;gs_l</a:t>
-            </a:r>
-            <a:r>
-              <a:rPr lang="en-GB" dirty="0" smtClean="0">
-                <a:hlinkClick r:id="rId4"/>
-              </a:rPr>
-              <a:t>=img.3..0l7j0i30l3.332488.336138..336212...0.0..3.77.1377.20......2....1..gws-wiz-img.....0..0i5i30j0i24.EH_6h-Nr_2M#imgrc=X_cyLwz-n0z_aM:</a:t>
-            </a:r>
-            <a:endParaRPr lang="en-GB" dirty="0" smtClean="0"/>
-          </a:p>
-          <a:p>
-            <a:pPr marL="0" indent="0">
-              <a:buNone/>
-            </a:pPr>
-            <a:r>
-              <a:rPr lang="en-GB" dirty="0" smtClean="0">
-                <a:hlinkClick r:id="rId5"/>
-              </a:rPr>
-              <a:t>https://www.google.de/</a:t>
-            </a:r>
-            <a:r>
-              <a:rPr lang="en-GB" dirty="0" err="1" smtClean="0">
-                <a:hlinkClick r:id="rId5"/>
-              </a:rPr>
-              <a:t>search?biw</a:t>
-            </a:r>
-            <a:r>
-              <a:rPr lang="en-GB" dirty="0" smtClean="0">
-                <a:hlinkClick r:id="rId5"/>
-              </a:rPr>
-              <a:t>=1280&amp;bih=529&amp;tbm=</a:t>
-            </a:r>
-            <a:r>
-              <a:rPr lang="en-GB" dirty="0" err="1" smtClean="0">
-                <a:hlinkClick r:id="rId5"/>
-              </a:rPr>
-              <a:t>isch&amp;sa</a:t>
-            </a:r>
-            <a:r>
-              <a:rPr lang="en-GB" dirty="0" smtClean="0">
-                <a:hlinkClick r:id="rId5"/>
-              </a:rPr>
-              <a:t>=1&amp;ei=7P_GXM2DCZ2I1fAPjc6a0AY&amp;q=</a:t>
-            </a:r>
-            <a:r>
-              <a:rPr lang="en-GB" dirty="0" err="1" smtClean="0">
-                <a:hlinkClick r:id="rId5"/>
-              </a:rPr>
-              <a:t>education&amp;oq</a:t>
-            </a:r>
-            <a:r>
-              <a:rPr lang="en-GB" dirty="0" smtClean="0">
-                <a:hlinkClick r:id="rId5"/>
-              </a:rPr>
-              <a:t>=</a:t>
-            </a:r>
-            <a:r>
-              <a:rPr lang="en-GB" dirty="0" err="1" smtClean="0">
-                <a:hlinkClick r:id="rId5"/>
-              </a:rPr>
-              <a:t>education&amp;gs_l</a:t>
-            </a:r>
-            <a:r>
-              <a:rPr lang="en-GB" dirty="0" smtClean="0">
-                <a:hlinkClick r:id="rId5"/>
-              </a:rPr>
-              <a:t>=img.3..0l10.95995.98123..98611...0.0..2.77.1184.17......1....1..gws-wiz-img.....0..0i67j0i30j35i39.Ne7KPLdkC08#imgrc=BbdD4pyOnLhHYM:</a:t>
-            </a:r>
-            <a:endParaRPr lang="en-GB" dirty="0"/>
-          </a:p>
-        </p:txBody>
-      </p:sp>
-    </p:spTree>
-    <p:extLst>
-      <p:ext uri="{BB962C8B-B14F-4D97-AF65-F5344CB8AC3E}">
-        <p14:creationId xmlns:p14="http://schemas.microsoft.com/office/powerpoint/2010/main" val="3657692524"/>
-      </p:ext>
-    </p:extLst>
-  </p:cSld>
-  <p:clrMapOvr>
-    <a:masterClrMapping/>
-  </p:clrMapOvr>
+  <p:timing>
+    <p:tnLst>
+      <p:par>
+        <p:cTn id="1" dur="indefinite" restart="never" nodeType="tmRoot"/>
+      </p:par>
+    </p:tnLst>
+  </p:timing>
 </p:sld>
 </file>
 
@@ -14053,7 +13971,11 @@
           <a:p>
             <a:r>
               <a:rPr lang="de-DE" dirty="0" smtClean="0"/>
-              <a:t>Fact-check</a:t>
+              <a:t>Image </a:t>
+            </a:r>
+            <a:r>
+              <a:rPr lang="de-DE" dirty="0" err="1" smtClean="0"/>
+              <a:t>Sources</a:t>
             </a:r>
             <a:endParaRPr lang="en-GB" dirty="0"/>
           </a:p>
@@ -14061,7 +13983,7 @@
       </p:sp>
       <p:sp>
         <p:nvSpPr>
-          <p:cNvPr id="9" name="Inhaltsplatzhalter 8"/>
+          <p:cNvPr id="3" name="Inhaltsplatzhalter 2"/>
           <p:cNvSpPr>
             <a:spLocks noGrp="1"/>
           </p:cNvSpPr>
@@ -14071,247 +13993,173 @@
         </p:nvSpPr>
         <p:spPr/>
         <p:txBody>
-          <a:bodyPr/>
+          <a:bodyPr>
+            <a:normAutofit fontScale="92500" lnSpcReduction="10000"/>
+          </a:bodyPr>
           <a:lstStyle/>
           <a:p>
-            <a:r>
-              <a:rPr lang="de-DE" dirty="0" err="1" smtClean="0"/>
-              <a:t>By</a:t>
-            </a:r>
-            <a:r>
-              <a:rPr lang="de-DE" dirty="0" smtClean="0"/>
-              <a:t> 2022, 75 </a:t>
-            </a:r>
-            <a:r>
-              <a:rPr lang="de-DE" dirty="0" err="1" smtClean="0"/>
-              <a:t>million</a:t>
-            </a:r>
-            <a:r>
-              <a:rPr lang="de-DE" dirty="0" smtClean="0"/>
-              <a:t> </a:t>
-            </a:r>
-            <a:r>
-              <a:rPr lang="de-DE" dirty="0" err="1" smtClean="0"/>
-              <a:t>jobs</a:t>
-            </a:r>
-            <a:r>
-              <a:rPr lang="de-DE" dirty="0" smtClean="0"/>
-              <a:t> </a:t>
-            </a:r>
-            <a:r>
-              <a:rPr lang="de-DE" dirty="0" err="1" smtClean="0"/>
-              <a:t>displaced</a:t>
-            </a:r>
-            <a:endParaRPr lang="de-DE" dirty="0"/>
-          </a:p>
-          <a:p>
-            <a:pPr lvl="1"/>
-            <a:r>
-              <a:rPr lang="de-DE" dirty="0" smtClean="0"/>
-              <a:t>Great </a:t>
-            </a:r>
-            <a:r>
-              <a:rPr lang="de-DE" dirty="0" err="1" smtClean="0"/>
-              <a:t>amounts</a:t>
-            </a:r>
-            <a:r>
-              <a:rPr lang="de-DE" dirty="0" smtClean="0"/>
-              <a:t> of all </a:t>
-            </a:r>
-            <a:r>
-              <a:rPr lang="de-DE" dirty="0" err="1" smtClean="0"/>
-              <a:t>kinds</a:t>
-            </a:r>
-            <a:r>
-              <a:rPr lang="de-DE" dirty="0" smtClean="0"/>
-              <a:t> of </a:t>
-            </a:r>
-            <a:r>
-              <a:rPr lang="de-DE" dirty="0" err="1" smtClean="0"/>
-              <a:t>tasks</a:t>
-            </a:r>
-            <a:r>
-              <a:rPr lang="de-DE" dirty="0" smtClean="0"/>
-              <a:t> will </a:t>
-            </a:r>
-            <a:r>
-              <a:rPr lang="de-DE" dirty="0" err="1" smtClean="0"/>
-              <a:t>be</a:t>
-            </a:r>
-            <a:r>
-              <a:rPr lang="de-DE" dirty="0" smtClean="0"/>
-              <a:t> </a:t>
-            </a:r>
-            <a:r>
-              <a:rPr lang="de-DE" dirty="0" err="1" smtClean="0"/>
-              <a:t>automatized</a:t>
-            </a:r>
-            <a:endParaRPr lang="de-DE" dirty="0" smtClean="0"/>
-          </a:p>
-          <a:p>
-            <a:r>
-              <a:rPr lang="de-DE" dirty="0" smtClean="0"/>
-              <a:t>133 Million </a:t>
-            </a:r>
-            <a:r>
-              <a:rPr lang="de-DE" dirty="0" err="1" smtClean="0"/>
-              <a:t>new</a:t>
-            </a:r>
-            <a:r>
-              <a:rPr lang="de-DE" dirty="0" smtClean="0"/>
-              <a:t> </a:t>
-            </a:r>
-            <a:r>
-              <a:rPr lang="de-DE" dirty="0" err="1" smtClean="0"/>
-              <a:t>jobs</a:t>
-            </a:r>
-            <a:r>
-              <a:rPr lang="de-DE" dirty="0" smtClean="0"/>
-              <a:t> will have </a:t>
-            </a:r>
-            <a:r>
-              <a:rPr lang="de-DE" dirty="0" err="1" smtClean="0"/>
-              <a:t>emerged</a:t>
-            </a:r>
-            <a:r>
-              <a:rPr lang="de-DE" dirty="0" smtClean="0"/>
-              <a:t>.</a:t>
-            </a:r>
-          </a:p>
-          <a:p>
-            <a:r>
-              <a:rPr lang="de-DE" dirty="0" smtClean="0"/>
-              <a:t>Lack of </a:t>
-            </a:r>
-            <a:r>
-              <a:rPr lang="de-DE" dirty="0" err="1" smtClean="0"/>
-              <a:t>skilled</a:t>
-            </a:r>
-            <a:r>
-              <a:rPr lang="de-DE" dirty="0" smtClean="0"/>
-              <a:t> </a:t>
-            </a:r>
-            <a:r>
-              <a:rPr lang="de-DE" dirty="0" err="1" smtClean="0"/>
-              <a:t>workforce</a:t>
+            <a:pPr marL="0" indent="0">
+              <a:buNone/>
+            </a:pPr>
+            <a:r>
+              <a:rPr lang="en-GB" dirty="0" smtClean="0">
+                <a:hlinkClick r:id="rId2"/>
+              </a:rPr>
+              <a:t>https://www.ecosia.org/images?q=adults+with+cellphone#id=418CF2EA23BF243CE619E0553EACD97B96DEBF22</a:t>
             </a:r>
             <a:endParaRPr lang="en-GB" dirty="0" smtClean="0"/>
           </a:p>
           <a:p>
-            <a:r>
-              <a:rPr lang="de-DE" dirty="0" err="1" smtClean="0"/>
-              <a:t>Policy</a:t>
-            </a:r>
-            <a:r>
-              <a:rPr lang="de-DE" dirty="0" smtClean="0"/>
-              <a:t> </a:t>
-            </a:r>
-            <a:r>
-              <a:rPr lang="de-DE" dirty="0" err="1" smtClean="0"/>
-              <a:t>Makers</a:t>
-            </a:r>
-            <a:r>
-              <a:rPr lang="de-DE" dirty="0" smtClean="0"/>
-              <a:t>,  Educators and Companies </a:t>
-            </a:r>
-            <a:r>
-              <a:rPr lang="de-DE" dirty="0" err="1" smtClean="0"/>
-              <a:t>face</a:t>
-            </a:r>
-            <a:r>
-              <a:rPr lang="de-DE" dirty="0" smtClean="0"/>
-              <a:t> 2 </a:t>
-            </a:r>
-            <a:r>
-              <a:rPr lang="de-DE" dirty="0" err="1" smtClean="0"/>
-              <a:t>challenges</a:t>
-            </a:r>
-            <a:r>
-              <a:rPr lang="de-DE" dirty="0" smtClean="0"/>
-              <a:t>:</a:t>
-            </a:r>
+            <a:pPr marL="0" indent="0">
+              <a:buNone/>
+            </a:pPr>
+            <a:r>
+              <a:rPr lang="en-GB" dirty="0" smtClean="0">
+                <a:hlinkClick r:id="rId3"/>
+              </a:rPr>
+              <a:t>https://www.ecosia.org/images?q=kid+with+cellphone#id=34E17E840CE85ABBB1869B9132BB057B0E609486</a:t>
+            </a:r>
+            <a:endParaRPr lang="en-GB" dirty="0" smtClean="0"/>
           </a:p>
           <a:p>
-            <a:r>
-              <a:rPr lang="de-DE" dirty="0" smtClean="0"/>
-              <a:t>Formation of </a:t>
-            </a:r>
-            <a:r>
-              <a:rPr lang="de-DE" dirty="0" err="1" smtClean="0"/>
-              <a:t>the</a:t>
-            </a:r>
-            <a:r>
-              <a:rPr lang="de-DE" dirty="0" smtClean="0"/>
-              <a:t> </a:t>
-            </a:r>
-            <a:r>
-              <a:rPr lang="de-DE" dirty="0" err="1" smtClean="0"/>
-              <a:t>upcoming</a:t>
-            </a:r>
-            <a:r>
-              <a:rPr lang="de-DE" dirty="0" smtClean="0"/>
-              <a:t> </a:t>
-            </a:r>
-            <a:r>
-              <a:rPr lang="de-DE" dirty="0" err="1" smtClean="0"/>
-              <a:t>generation</a:t>
-            </a:r>
-            <a:r>
-              <a:rPr lang="de-DE" dirty="0" smtClean="0"/>
-              <a:t> of </a:t>
-            </a:r>
-            <a:r>
-              <a:rPr lang="de-DE" dirty="0" err="1" smtClean="0"/>
-              <a:t>workforce</a:t>
-            </a:r>
-            <a:r>
-              <a:rPr lang="de-DE" dirty="0" smtClean="0"/>
-              <a:t> and</a:t>
-            </a:r>
+            <a:pPr marL="0" indent="0">
+              <a:buNone/>
+            </a:pPr>
+            <a:r>
+              <a:rPr lang="en-GB" dirty="0" smtClean="0">
+                <a:hlinkClick r:id="rId4"/>
+              </a:rPr>
+              <a:t>https://www.google.de/</a:t>
+            </a:r>
+            <a:r>
+              <a:rPr lang="en-GB" dirty="0" err="1" smtClean="0">
+                <a:hlinkClick r:id="rId4"/>
+              </a:rPr>
+              <a:t>search?biw</a:t>
+            </a:r>
+            <a:r>
+              <a:rPr lang="en-GB" dirty="0" smtClean="0">
+                <a:hlinkClick r:id="rId4"/>
+              </a:rPr>
+              <a:t>=1280&amp;bih=529&amp;tbm=</a:t>
+            </a:r>
+            <a:r>
+              <a:rPr lang="en-GB" dirty="0" err="1" smtClean="0">
+                <a:hlinkClick r:id="rId4"/>
+              </a:rPr>
+              <a:t>isch&amp;sa</a:t>
+            </a:r>
+            <a:r>
+              <a:rPr lang="en-GB" dirty="0" smtClean="0">
+                <a:hlinkClick r:id="rId4"/>
+              </a:rPr>
+              <a:t>=1&amp;ei=mf7GXMH1Mseg1fAPkY2K6A0&amp;q=</a:t>
+            </a:r>
+            <a:r>
+              <a:rPr lang="en-GB" dirty="0" err="1" smtClean="0">
+                <a:hlinkClick r:id="rId4"/>
+              </a:rPr>
+              <a:t>workforce&amp;oq</a:t>
+            </a:r>
+            <a:r>
+              <a:rPr lang="en-GB" dirty="0" smtClean="0">
+                <a:hlinkClick r:id="rId4"/>
+              </a:rPr>
+              <a:t>=</a:t>
+            </a:r>
+            <a:r>
+              <a:rPr lang="en-GB" dirty="0" err="1" smtClean="0">
+                <a:hlinkClick r:id="rId4"/>
+              </a:rPr>
+              <a:t>workforce&amp;gs_l</a:t>
+            </a:r>
+            <a:r>
+              <a:rPr lang="en-GB" dirty="0" smtClean="0">
+                <a:hlinkClick r:id="rId4"/>
+              </a:rPr>
+              <a:t>=img.3..0l7j0i30l3.332488.336138..336212...0.0..3.77.1377.20......2....1..gws-wiz-img.....0..0i5i30j0i24.EH_6h-Nr_2M#imgrc=X_cyLwz-n0z_aM:</a:t>
+            </a:r>
+            <a:endParaRPr lang="en-GB" dirty="0" smtClean="0"/>
           </a:p>
           <a:p>
-            <a:r>
-              <a:rPr lang="de-DE" dirty="0" err="1" smtClean="0"/>
-              <a:t>Upskilling</a:t>
-            </a:r>
-            <a:r>
-              <a:rPr lang="de-DE" dirty="0" smtClean="0"/>
-              <a:t>/ Training of </a:t>
-            </a:r>
-            <a:r>
-              <a:rPr lang="de-DE" dirty="0" err="1" smtClean="0"/>
-              <a:t>the</a:t>
-            </a:r>
-            <a:r>
-              <a:rPr lang="de-DE" dirty="0" smtClean="0"/>
-              <a:t> </a:t>
-            </a:r>
-            <a:r>
-              <a:rPr lang="de-DE" dirty="0" err="1" smtClean="0"/>
-              <a:t>existing</a:t>
-            </a:r>
-            <a:r>
-              <a:rPr lang="de-DE" dirty="0" smtClean="0"/>
-              <a:t> </a:t>
-            </a:r>
-            <a:r>
-              <a:rPr lang="de-DE" dirty="0" err="1" smtClean="0"/>
-              <a:t>workforce</a:t>
-            </a:r>
-            <a:endParaRPr lang="de-DE" dirty="0" smtClean="0"/>
+            <a:pPr marL="0" indent="0">
+              <a:buNone/>
+            </a:pPr>
+            <a:r>
+              <a:rPr lang="en-GB" dirty="0" smtClean="0">
+                <a:hlinkClick r:id="rId5"/>
+              </a:rPr>
+              <a:t>https://www.google.de/</a:t>
+            </a:r>
+            <a:r>
+              <a:rPr lang="en-GB" dirty="0" err="1" smtClean="0">
+                <a:hlinkClick r:id="rId5"/>
+              </a:rPr>
+              <a:t>search?biw</a:t>
+            </a:r>
+            <a:r>
+              <a:rPr lang="en-GB" dirty="0" smtClean="0">
+                <a:hlinkClick r:id="rId5"/>
+              </a:rPr>
+              <a:t>=1280&amp;bih=529&amp;tbm=</a:t>
+            </a:r>
+            <a:r>
+              <a:rPr lang="en-GB" dirty="0" err="1" smtClean="0">
+                <a:hlinkClick r:id="rId5"/>
+              </a:rPr>
+              <a:t>isch&amp;sa</a:t>
+            </a:r>
+            <a:r>
+              <a:rPr lang="en-GB" dirty="0" smtClean="0">
+                <a:hlinkClick r:id="rId5"/>
+              </a:rPr>
+              <a:t>=1&amp;ei=7P_GXM2DCZ2I1fAPjc6a0AY&amp;q=</a:t>
+            </a:r>
+            <a:r>
+              <a:rPr lang="en-GB" dirty="0" err="1" smtClean="0">
+                <a:hlinkClick r:id="rId5"/>
+              </a:rPr>
+              <a:t>education&amp;oq</a:t>
+            </a:r>
+            <a:r>
+              <a:rPr lang="en-GB" dirty="0" smtClean="0">
+                <a:hlinkClick r:id="rId5"/>
+              </a:rPr>
+              <a:t>=</a:t>
+            </a:r>
+            <a:r>
+              <a:rPr lang="en-GB" dirty="0" err="1" smtClean="0">
+                <a:hlinkClick r:id="rId5"/>
+              </a:rPr>
+              <a:t>education&amp;gs_l</a:t>
+            </a:r>
+            <a:r>
+              <a:rPr lang="en-GB" dirty="0" smtClean="0">
+                <a:hlinkClick r:id="rId5"/>
+              </a:rPr>
+              <a:t>=img.3..0l10.95995.98123..98611...0.0..2.77.1184.17......1....1..gws-wiz-img.....0..0i67j0i30j35i39.Ne7KPLdkC08#imgrc=BbdD4pyOnLhHYM:</a:t>
+            </a:r>
+            <a:endParaRPr lang="en-GB" dirty="0"/>
           </a:p>
         </p:txBody>
       </p:sp>
     </p:spTree>
     <p:extLst>
       <p:ext uri="{BB962C8B-B14F-4D97-AF65-F5344CB8AC3E}">
-        <p14:creationId xmlns:p14="http://schemas.microsoft.com/office/powerpoint/2010/main" val="1389602800"/>
+        <p14:creationId xmlns:p14="http://schemas.microsoft.com/office/powerpoint/2010/main" val="3657692524"/>
       </p:ext>
     </p:extLst>
   </p:cSld>
   <p:clrMapOvr>
     <a:masterClrMapping/>
   </p:clrMapOvr>
+  <p:timing>
+    <p:tnLst>
+      <p:par>
+        <p:cTn id="1" dur="indefinite" restart="never" nodeType="tmRoot"/>
+      </p:par>
+    </p:tnLst>
+  </p:timing>
 </p:sld>
 </file>
 
@@ -14348,12 +14196,300 @@
           <a:lstStyle/>
           <a:p>
             <a:r>
+              <a:rPr lang="de-DE" dirty="0" smtClean="0"/>
+              <a:t>Fact-check</a:t>
+            </a:r>
+            <a:endParaRPr lang="en-GB" dirty="0"/>
+          </a:p>
+        </p:txBody>
+      </p:sp>
+      <p:sp>
+        <p:nvSpPr>
+          <p:cNvPr id="9" name="Inhaltsplatzhalter 8"/>
+          <p:cNvSpPr>
+            <a:spLocks noGrp="1"/>
+          </p:cNvSpPr>
+          <p:nvPr>
+            <p:ph idx="1"/>
+          </p:nvPr>
+        </p:nvSpPr>
+        <p:spPr/>
+        <p:txBody>
+          <a:bodyPr/>
+          <a:lstStyle/>
+          <a:p>
+            <a:r>
               <a:rPr lang="de-DE" dirty="0" err="1" smtClean="0"/>
-              <a:t>Codrilla</a:t>
+              <a:t>By</a:t>
             </a:r>
             <a:r>
               <a:rPr lang="de-DE" dirty="0" smtClean="0"/>
-              <a:t> Sharp:</a:t>
+              <a:t> 2022, 75 </a:t>
+            </a:r>
+            <a:r>
+              <a:rPr lang="de-DE" dirty="0" err="1" smtClean="0"/>
+              <a:t>million</a:t>
+            </a:r>
+            <a:r>
+              <a:rPr lang="de-DE" dirty="0" smtClean="0"/>
+              <a:t> </a:t>
+            </a:r>
+            <a:r>
+              <a:rPr lang="de-DE" dirty="0" err="1" smtClean="0"/>
+              <a:t>jobs</a:t>
+            </a:r>
+            <a:r>
+              <a:rPr lang="de-DE" dirty="0" smtClean="0"/>
+              <a:t> displaced</a:t>
+            </a:r>
+            <a:endParaRPr lang="de-DE" dirty="0"/>
+          </a:p>
+          <a:p>
+            <a:pPr lvl="1"/>
+            <a:r>
+              <a:rPr lang="de-DE" dirty="0" smtClean="0"/>
+              <a:t>Great </a:t>
+            </a:r>
+            <a:r>
+              <a:rPr lang="de-DE" dirty="0" err="1" smtClean="0"/>
+              <a:t>amounts</a:t>
+            </a:r>
+            <a:r>
+              <a:rPr lang="de-DE" dirty="0" smtClean="0"/>
+              <a:t> of all </a:t>
+            </a:r>
+            <a:r>
+              <a:rPr lang="de-DE" dirty="0" err="1" smtClean="0"/>
+              <a:t>kinds</a:t>
+            </a:r>
+            <a:r>
+              <a:rPr lang="de-DE" dirty="0" smtClean="0"/>
+              <a:t> of </a:t>
+            </a:r>
+            <a:r>
+              <a:rPr lang="de-DE" dirty="0" err="1" smtClean="0"/>
+              <a:t>tasks</a:t>
+            </a:r>
+            <a:r>
+              <a:rPr lang="de-DE" dirty="0" smtClean="0"/>
+              <a:t> will </a:t>
+            </a:r>
+            <a:r>
+              <a:rPr lang="de-DE" dirty="0" err="1" smtClean="0"/>
+              <a:t>be</a:t>
+            </a:r>
+            <a:r>
+              <a:rPr lang="de-DE" dirty="0" smtClean="0"/>
+              <a:t> </a:t>
+            </a:r>
+            <a:r>
+              <a:rPr lang="de-DE" dirty="0" err="1" smtClean="0"/>
+              <a:t>automatized</a:t>
+            </a:r>
+            <a:endParaRPr lang="de-DE" dirty="0" smtClean="0"/>
+          </a:p>
+          <a:p>
+            <a:r>
+              <a:rPr lang="de-DE" dirty="0" smtClean="0"/>
+              <a:t>133 Million </a:t>
+            </a:r>
+            <a:r>
+              <a:rPr lang="de-DE" dirty="0" err="1" smtClean="0"/>
+              <a:t>new</a:t>
+            </a:r>
+            <a:r>
+              <a:rPr lang="de-DE" dirty="0" smtClean="0"/>
+              <a:t> </a:t>
+            </a:r>
+            <a:r>
+              <a:rPr lang="de-DE" dirty="0" err="1" smtClean="0"/>
+              <a:t>jobs</a:t>
+            </a:r>
+            <a:r>
+              <a:rPr lang="de-DE" dirty="0" smtClean="0"/>
+              <a:t> will have </a:t>
+            </a:r>
+            <a:r>
+              <a:rPr lang="de-DE" dirty="0" err="1" smtClean="0"/>
+              <a:t>emerged</a:t>
+            </a:r>
+            <a:r>
+              <a:rPr lang="de-DE" dirty="0" smtClean="0"/>
+              <a:t>.</a:t>
+            </a:r>
+          </a:p>
+          <a:p>
+            <a:r>
+              <a:rPr lang="de-DE" dirty="0" smtClean="0"/>
+              <a:t>Lack of </a:t>
+            </a:r>
+            <a:r>
+              <a:rPr lang="de-DE" dirty="0" err="1" smtClean="0"/>
+              <a:t>skilled</a:t>
+            </a:r>
+            <a:r>
+              <a:rPr lang="de-DE" dirty="0" smtClean="0"/>
+              <a:t> </a:t>
+            </a:r>
+            <a:r>
+              <a:rPr lang="de-DE" dirty="0" err="1" smtClean="0"/>
+              <a:t>workforce</a:t>
+            </a:r>
+            <a:endParaRPr lang="en-GB" dirty="0" smtClean="0"/>
+          </a:p>
+          <a:p>
+            <a:r>
+              <a:rPr lang="de-DE" dirty="0" err="1" smtClean="0"/>
+              <a:t>Policy</a:t>
+            </a:r>
+            <a:r>
+              <a:rPr lang="de-DE" dirty="0" smtClean="0"/>
+              <a:t> </a:t>
+            </a:r>
+            <a:r>
+              <a:rPr lang="de-DE" dirty="0" err="1" smtClean="0"/>
+              <a:t>Makers</a:t>
+            </a:r>
+            <a:r>
+              <a:rPr lang="de-DE" dirty="0" smtClean="0"/>
+              <a:t>,  Educators and Companies </a:t>
+            </a:r>
+            <a:r>
+              <a:rPr lang="de-DE" dirty="0" err="1" smtClean="0"/>
+              <a:t>face</a:t>
+            </a:r>
+            <a:r>
+              <a:rPr lang="de-DE" dirty="0" smtClean="0"/>
+              <a:t> 2 </a:t>
+            </a:r>
+            <a:r>
+              <a:rPr lang="de-DE" dirty="0" err="1" smtClean="0"/>
+              <a:t>challenges</a:t>
+            </a:r>
+            <a:r>
+              <a:rPr lang="de-DE" dirty="0" smtClean="0"/>
+              <a:t>:</a:t>
+            </a:r>
+          </a:p>
+          <a:p>
+            <a:r>
+              <a:rPr lang="de-DE" dirty="0" smtClean="0"/>
+              <a:t>Formation of </a:t>
+            </a:r>
+            <a:r>
+              <a:rPr lang="de-DE" dirty="0" err="1" smtClean="0"/>
+              <a:t>the</a:t>
+            </a:r>
+            <a:r>
+              <a:rPr lang="de-DE" dirty="0" smtClean="0"/>
+              <a:t> </a:t>
+            </a:r>
+            <a:r>
+              <a:rPr lang="de-DE" dirty="0" err="1" smtClean="0"/>
+              <a:t>upcoming</a:t>
+            </a:r>
+            <a:r>
+              <a:rPr lang="de-DE" dirty="0" smtClean="0"/>
+              <a:t> </a:t>
+            </a:r>
+            <a:r>
+              <a:rPr lang="de-DE" dirty="0" err="1" smtClean="0"/>
+              <a:t>generation</a:t>
+            </a:r>
+            <a:r>
+              <a:rPr lang="de-DE" dirty="0" smtClean="0"/>
+              <a:t> of </a:t>
+            </a:r>
+            <a:r>
+              <a:rPr lang="de-DE" dirty="0" err="1" smtClean="0"/>
+              <a:t>workforce</a:t>
+            </a:r>
+            <a:r>
+              <a:rPr lang="de-DE" dirty="0" smtClean="0"/>
+              <a:t> and</a:t>
+            </a:r>
+          </a:p>
+          <a:p>
+            <a:r>
+              <a:rPr lang="de-DE" dirty="0" err="1" smtClean="0"/>
+              <a:t>Upskilling</a:t>
+            </a:r>
+            <a:r>
+              <a:rPr lang="de-DE" dirty="0" smtClean="0"/>
+              <a:t>/ Training of </a:t>
+            </a:r>
+            <a:r>
+              <a:rPr lang="de-DE" dirty="0" err="1" smtClean="0"/>
+              <a:t>the</a:t>
+            </a:r>
+            <a:r>
+              <a:rPr lang="de-DE" dirty="0" smtClean="0"/>
+              <a:t> </a:t>
+            </a:r>
+            <a:r>
+              <a:rPr lang="de-DE" dirty="0" err="1" smtClean="0"/>
+              <a:t>existing</a:t>
+            </a:r>
+            <a:r>
+              <a:rPr lang="de-DE" dirty="0" smtClean="0"/>
+              <a:t> </a:t>
+            </a:r>
+            <a:r>
+              <a:rPr lang="de-DE" dirty="0" err="1" smtClean="0"/>
+              <a:t>workforce</a:t>
+            </a:r>
+            <a:endParaRPr lang="de-DE" dirty="0" smtClean="0"/>
+          </a:p>
+        </p:txBody>
+      </p:sp>
+    </p:spTree>
+    <p:extLst>
+      <p:ext uri="{BB962C8B-B14F-4D97-AF65-F5344CB8AC3E}">
+        <p14:creationId xmlns:p14="http://schemas.microsoft.com/office/powerpoint/2010/main" val="1389602800"/>
+      </p:ext>
+    </p:extLst>
+  </p:cSld>
+  <p:clrMapOvr>
+    <a:masterClrMapping/>
+  </p:clrMapOvr>
+</p:sld>
+</file>
+
+<file path=ppt/slides/slide7.xml><?xml version="1.0" encoding="utf-8"?>
+<p:sld xmlns:a="http://schemas.openxmlformats.org/drawingml/2006/main" xmlns:r="http://schemas.openxmlformats.org/officeDocument/2006/relationships" xmlns:p="http://schemas.openxmlformats.org/presentationml/2006/main">
+  <p:cSld>
+    <p:spTree>
+      <p:nvGrpSpPr>
+        <p:cNvPr id="1" name=""/>
+        <p:cNvGrpSpPr/>
+        <p:nvPr/>
+      </p:nvGrpSpPr>
+      <p:grpSpPr>
+        <a:xfrm>
+          <a:off x="0" y="0"/>
+          <a:ext cx="0" cy="0"/>
+          <a:chOff x="0" y="0"/>
+          <a:chExt cx="0" cy="0"/>
+        </a:xfrm>
+      </p:grpSpPr>
+      <p:sp>
+        <p:nvSpPr>
+          <p:cNvPr id="2" name="Titel 1"/>
+          <p:cNvSpPr>
+            <a:spLocks noGrp="1"/>
+          </p:cNvSpPr>
+          <p:nvPr>
+            <p:ph type="title"/>
+          </p:nvPr>
+        </p:nvSpPr>
+        <p:spPr/>
+        <p:txBody>
+          <a:bodyPr/>
+          <a:lstStyle/>
+          <a:p>
+            <a:r>
+              <a:rPr lang="de-DE" dirty="0" smtClean="0"/>
+              <a:t>Codrilla Sharp:</a:t>
             </a:r>
             <a:endParaRPr lang="en-GB" dirty="0"/>
           </a:p>
